--- a/Day 9 & 10/1. Servlets/Slides/3. Working with Form and Query String Data/3-java-servlets-m3.pptx
+++ b/Day 9 & 10/1. Servlets/Slides/3. Working with Form and Query String Data/3-java-servlets-m3.pptx
@@ -3,30 +3,30 @@
 <p:presentation xmlns:a="http://schemas.openxmlformats.org/drawingml/2006/main" xmlns:r="http://schemas.openxmlformats.org/officeDocument/2006/relationships" xmlns:p="http://schemas.openxmlformats.org/presentationml/2006/main">
   <p:sldMasterIdLst>
     <p:sldMasterId id="2147483648" r:id="rId1"/>
-    <p:sldMasterId id="2147483654" r:id="rId3"/>
+    <p:sldMasterId id="2147483654" r:id="rId2"/>
   </p:sldMasterIdLst>
   <p:notesMasterIdLst>
-    <p:notesMasterId r:id="rId22"/>
+    <p:notesMasterId r:id="rId21"/>
   </p:notesMasterIdLst>
   <p:sldIdLst>
-    <p:sldId id="256" r:id="rId4"/>
-    <p:sldId id="257" r:id="rId5"/>
-    <p:sldId id="258" r:id="rId6"/>
-    <p:sldId id="259" r:id="rId7"/>
-    <p:sldId id="260" r:id="rId8"/>
-    <p:sldId id="261" r:id="rId9"/>
-    <p:sldId id="262" r:id="rId10"/>
-    <p:sldId id="263" r:id="rId11"/>
-    <p:sldId id="264" r:id="rId12"/>
-    <p:sldId id="265" r:id="rId13"/>
-    <p:sldId id="266" r:id="rId14"/>
-    <p:sldId id="267" r:id="rId15"/>
-    <p:sldId id="268" r:id="rId16"/>
-    <p:sldId id="274" r:id="rId17"/>
-    <p:sldId id="275" r:id="rId18"/>
-    <p:sldId id="271" r:id="rId19"/>
-    <p:sldId id="272" r:id="rId20"/>
-    <p:sldId id="273" r:id="rId21"/>
+    <p:sldId id="256" r:id="rId3"/>
+    <p:sldId id="257" r:id="rId4"/>
+    <p:sldId id="258" r:id="rId5"/>
+    <p:sldId id="259" r:id="rId6"/>
+    <p:sldId id="260" r:id="rId7"/>
+    <p:sldId id="261" r:id="rId8"/>
+    <p:sldId id="262" r:id="rId9"/>
+    <p:sldId id="263" r:id="rId10"/>
+    <p:sldId id="264" r:id="rId11"/>
+    <p:sldId id="265" r:id="rId12"/>
+    <p:sldId id="266" r:id="rId13"/>
+    <p:sldId id="267" r:id="rId14"/>
+    <p:sldId id="268" r:id="rId15"/>
+    <p:sldId id="274" r:id="rId16"/>
+    <p:sldId id="275" r:id="rId17"/>
+    <p:sldId id="271" r:id="rId18"/>
+    <p:sldId id="272" r:id="rId19"/>
+    <p:sldId id="273" r:id="rId20"/>
   </p:sldIdLst>
   <p:sldSz cx="12192000" cy="6858000"/>
   <p:notesSz cx="12192000" cy="6858000"/>
@@ -122,6 +122,22 @@
       </a:defRPr>
     </a:lvl9pPr>
   </p:defaultTextStyle>
+  <p:extLst>
+    <p:ext uri="{EFAFB233-063F-42B5-8137-9DF3F51BA10A}">
+      <p15:sldGuideLst xmlns:p15="http://schemas.microsoft.com/office/powerpoint/2012/main">
+        <p15:guide id="1" orient="horz" pos="2906">
+          <p15:clr>
+            <a:srgbClr val="A4A3A4"/>
+          </p15:clr>
+        </p15:guide>
+        <p15:guide id="2" pos="2160">
+          <p15:clr>
+            <a:srgbClr val="A4A3A4"/>
+          </p15:clr>
+        </p15:guide>
+      </p15:sldGuideLst>
+    </p:ext>
+  </p:extLst>
 </p:presentation>
 </file>
 
@@ -207,6 +223,7 @@
           <a:p>
             <a:fld id="{3EFD42F7-718C-4B98-AAEC-167E6DDD60A7}" type="datetimeFigureOut">
               <a:rPr lang="en-US" smtClean="0"/>
+              <a:t>8/13/2023</a:t>
             </a:fld>
             <a:endParaRPr lang="en-US"/>
           </a:p>
@@ -270,42 +287,37 @@
           <a:p>
             <a:pPr lvl="0"/>
             <a:r>
-              <a:rPr lang="en-US" smtClean="0"/>
+              <a:rPr lang="en-US"/>
               <a:t>Click to edit Master text styles</a:t>
             </a:r>
-            <a:endParaRPr lang="en-US" smtClean="0"/>
           </a:p>
           <a:p>
             <a:pPr lvl="1"/>
             <a:r>
-              <a:rPr lang="en-US" smtClean="0"/>
+              <a:rPr lang="en-US"/>
               <a:t>Second level</a:t>
             </a:r>
-            <a:endParaRPr lang="en-US" smtClean="0"/>
           </a:p>
           <a:p>
             <a:pPr lvl="2"/>
             <a:r>
-              <a:rPr lang="en-US" smtClean="0"/>
+              <a:rPr lang="en-US"/>
               <a:t>Third level</a:t>
             </a:r>
-            <a:endParaRPr lang="en-US" smtClean="0"/>
           </a:p>
           <a:p>
             <a:pPr lvl="3"/>
             <a:r>
-              <a:rPr lang="en-US" smtClean="0"/>
+              <a:rPr lang="en-US"/>
               <a:t>Fourth level</a:t>
             </a:r>
-            <a:endParaRPr lang="en-US" smtClean="0"/>
           </a:p>
           <a:p>
             <a:pPr lvl="4"/>
             <a:r>
-              <a:rPr lang="en-US" smtClean="0"/>
+              <a:rPr lang="en-US"/>
               <a:t>Fifth level</a:t>
             </a:r>
-            <a:endParaRPr lang="en-US"/>
           </a:p>
         </p:txBody>
       </p:sp>
@@ -369,6 +381,7 @@
           <a:p>
             <a:fld id="{21B2AA4F-B828-4D7C-AFD3-893933DAFCB4}" type="slidenum">
               <a:rPr lang="en-US" smtClean="0"/>
+              <a:t>‹#›</a:t>
             </a:fld>
             <a:endParaRPr lang="en-US"/>
           </a:p>
@@ -523,7 +536,9 @@
               </a:defRPr>
             </a:lvl1pPr>
           </a:lstStyle>
-          <a:p/>
+          <a:p>
+            <a:endParaRPr/>
+          </a:p>
         </p:txBody>
       </p:sp>
       <p:sp>
@@ -554,7 +569,9 @@
               <a:defRPr/>
             </a:lvl1pPr>
           </a:lstStyle>
-          <a:p/>
+          <a:p>
+            <a:endParaRPr/>
+          </a:p>
         </p:txBody>
       </p:sp>
       <p:sp>
@@ -581,7 +598,9 @@
               </a:defRPr>
             </a:lvl1pPr>
           </a:lstStyle>
-          <a:p/>
+          <a:p>
+            <a:endParaRPr/>
+          </a:p>
         </p:txBody>
       </p:sp>
       <p:sp>
@@ -611,6 +630,7 @@
           <a:p>
             <a:fld id="{1D8BD707-D9CF-40AE-B4C6-C98DA3205C09}" type="datetimeFigureOut">
               <a:rPr lang="en-US"/>
+              <a:t>8/13/2023</a:t>
             </a:fld>
             <a:endParaRPr lang="en-US"/>
           </a:p>
@@ -643,6 +663,7 @@
           <a:p>
             <a:fld id="{B6F15528-21DE-4FAA-801E-634DDDAF4B2B}" type="slidenum">
               <a:rPr/>
+              <a:t>‹#›</a:t>
             </a:fld>
             <a:endParaRPr/>
           </a:p>
@@ -698,7 +719,9 @@
               </a:defRPr>
             </a:lvl1pPr>
           </a:lstStyle>
-          <a:p/>
+          <a:p>
+            <a:endParaRPr/>
+          </a:p>
         </p:txBody>
       </p:sp>
       <p:sp>
@@ -728,6 +751,7 @@
           <a:p>
             <a:fld id="{1D8BD707-D9CF-40AE-B4C6-C98DA3205C09}" type="datetimeFigureOut">
               <a:rPr lang="en-US"/>
+              <a:t>8/13/2023</a:t>
             </a:fld>
             <a:endParaRPr lang="en-US"/>
           </a:p>
@@ -760,6 +784,7 @@
           <a:p>
             <a:fld id="{B6F15528-21DE-4FAA-801E-634DDDAF4B2B}" type="slidenum">
               <a:rPr/>
+              <a:t>‹#›</a:t>
             </a:fld>
             <a:endParaRPr/>
           </a:p>
@@ -815,7 +840,9 @@
               </a:defRPr>
             </a:lvl1pPr>
           </a:lstStyle>
-          <a:p/>
+          <a:p>
+            <a:endParaRPr/>
+          </a:p>
         </p:txBody>
       </p:sp>
       <p:sp>
@@ -840,7 +867,9 @@
               </a:defRPr>
             </a:lvl1pPr>
           </a:lstStyle>
-          <a:p/>
+          <a:p>
+            <a:endParaRPr/>
+          </a:p>
         </p:txBody>
       </p:sp>
       <p:sp>
@@ -867,7 +896,9 @@
               </a:defRPr>
             </a:lvl1pPr>
           </a:lstStyle>
-          <a:p/>
+          <a:p>
+            <a:endParaRPr/>
+          </a:p>
         </p:txBody>
       </p:sp>
       <p:sp>
@@ -897,6 +928,7 @@
           <a:p>
             <a:fld id="{1D8BD707-D9CF-40AE-B4C6-C98DA3205C09}" type="datetimeFigureOut">
               <a:rPr lang="en-US"/>
+              <a:t>8/13/2023</a:t>
             </a:fld>
             <a:endParaRPr lang="en-US"/>
           </a:p>
@@ -929,6 +961,7 @@
           <a:p>
             <a:fld id="{B6F15528-21DE-4FAA-801E-634DDDAF4B2B}" type="slidenum">
               <a:rPr/>
+              <a:t>‹#›</a:t>
             </a:fld>
             <a:endParaRPr/>
           </a:p>
@@ -984,7 +1017,9 @@
               </a:defRPr>
             </a:lvl1pPr>
           </a:lstStyle>
-          <a:p/>
+          <a:p>
+            <a:endParaRPr/>
+          </a:p>
         </p:txBody>
       </p:sp>
       <p:sp>
@@ -1021,7 +1056,9 @@
               </a:defRPr>
             </a:lvl1pPr>
           </a:lstStyle>
-          <a:p/>
+          <a:p>
+            <a:endParaRPr/>
+          </a:p>
         </p:txBody>
       </p:sp>
       <p:sp>
@@ -1058,7 +1095,9 @@
               </a:defRPr>
             </a:lvl1pPr>
           </a:lstStyle>
-          <a:p/>
+          <a:p>
+            <a:endParaRPr/>
+          </a:p>
         </p:txBody>
       </p:sp>
       <p:sp>
@@ -1085,7 +1124,9 @@
               </a:defRPr>
             </a:lvl1pPr>
           </a:lstStyle>
-          <a:p/>
+          <a:p>
+            <a:endParaRPr/>
+          </a:p>
         </p:txBody>
       </p:sp>
       <p:sp>
@@ -1115,6 +1156,7 @@
           <a:p>
             <a:fld id="{1D8BD707-D9CF-40AE-B4C6-C98DA3205C09}" type="datetimeFigureOut">
               <a:rPr lang="en-US"/>
+              <a:t>8/13/2023</a:t>
             </a:fld>
             <a:endParaRPr lang="en-US"/>
           </a:p>
@@ -1147,6 +1189,7 @@
           <a:p>
             <a:fld id="{B6F15528-21DE-4FAA-801E-634DDDAF4B2B}" type="slidenum">
               <a:rPr/>
+              <a:t>‹#›</a:t>
             </a:fld>
             <a:endParaRPr/>
           </a:p>
@@ -1202,7 +1245,9 @@
               </a:defRPr>
             </a:lvl1pPr>
           </a:lstStyle>
-          <a:p/>
+          <a:p>
+            <a:endParaRPr/>
+          </a:p>
         </p:txBody>
       </p:sp>
       <p:sp>
@@ -1229,7 +1274,9 @@
               </a:defRPr>
             </a:lvl1pPr>
           </a:lstStyle>
-          <a:p/>
+          <a:p>
+            <a:endParaRPr/>
+          </a:p>
         </p:txBody>
       </p:sp>
       <p:sp>
@@ -1259,6 +1306,7 @@
           <a:p>
             <a:fld id="{1D8BD707-D9CF-40AE-B4C6-C98DA3205C09}" type="datetimeFigureOut">
               <a:rPr lang="en-US"/>
+              <a:t>8/13/2023</a:t>
             </a:fld>
             <a:endParaRPr lang="en-US"/>
           </a:p>
@@ -1291,6 +1339,7 @@
           <a:p>
             <a:fld id="{B6F15528-21DE-4FAA-801E-634DDDAF4B2B}" type="slidenum">
               <a:rPr/>
+              <a:t>‹#›</a:t>
             </a:fld>
             <a:endParaRPr/>
           </a:p>
@@ -1346,7 +1395,9 @@
               </a:defRPr>
             </a:lvl1pPr>
           </a:lstStyle>
-          <a:p/>
+          <a:p>
+            <a:endParaRPr/>
+          </a:p>
         </p:txBody>
       </p:sp>
       <p:sp>
@@ -1376,6 +1427,7 @@
           <a:p>
             <a:fld id="{1D8BD707-D9CF-40AE-B4C6-C98DA3205C09}" type="datetimeFigureOut">
               <a:rPr lang="en-US"/>
+              <a:t>8/13/2023</a:t>
             </a:fld>
             <a:endParaRPr lang="en-US"/>
           </a:p>
@@ -1408,6 +1460,7 @@
           <a:p>
             <a:fld id="{B6F15528-21DE-4FAA-801E-634DDDAF4B2B}" type="slidenum">
               <a:rPr/>
+              <a:t>‹#›</a:t>
             </a:fld>
             <a:endParaRPr/>
           </a:p>
@@ -1471,7 +1524,9 @@
               </a:defRPr>
             </a:lvl1pPr>
           </a:lstStyle>
-          <a:p/>
+          <a:p>
+            <a:endParaRPr/>
+          </a:p>
         </p:txBody>
       </p:sp>
       <p:sp>
@@ -1502,7 +1557,9 @@
               <a:defRPr/>
             </a:lvl1pPr>
           </a:lstStyle>
-          <a:p/>
+          <a:p>
+            <a:endParaRPr/>
+          </a:p>
         </p:txBody>
       </p:sp>
       <p:sp>
@@ -1529,7 +1586,9 @@
               </a:defRPr>
             </a:lvl1pPr>
           </a:lstStyle>
-          <a:p/>
+          <a:p>
+            <a:endParaRPr/>
+          </a:p>
         </p:txBody>
       </p:sp>
       <p:sp>
@@ -1559,6 +1618,7 @@
           <a:p>
             <a:fld id="{1D8BD707-D9CF-40AE-B4C6-C98DA3205C09}" type="datetimeFigureOut">
               <a:rPr lang="en-US"/>
+              <a:t>8/13/2023</a:t>
             </a:fld>
             <a:endParaRPr lang="en-US"/>
           </a:p>
@@ -1591,6 +1651,7 @@
           <a:p>
             <a:fld id="{B6F15528-21DE-4FAA-801E-634DDDAF4B2B}" type="slidenum">
               <a:rPr/>
+              <a:t>‹#›</a:t>
             </a:fld>
             <a:endParaRPr/>
           </a:p>
@@ -1646,7 +1707,9 @@
               </a:defRPr>
             </a:lvl1pPr>
           </a:lstStyle>
-          <a:p/>
+          <a:p>
+            <a:endParaRPr/>
+          </a:p>
         </p:txBody>
       </p:sp>
       <p:sp>
@@ -1673,7 +1736,9 @@
               </a:defRPr>
             </a:lvl1pPr>
           </a:lstStyle>
-          <a:p/>
+          <a:p>
+            <a:endParaRPr/>
+          </a:p>
         </p:txBody>
       </p:sp>
       <p:sp>
@@ -1700,7 +1765,9 @@
               </a:defRPr>
             </a:lvl1pPr>
           </a:lstStyle>
-          <a:p/>
+          <a:p>
+            <a:endParaRPr/>
+          </a:p>
         </p:txBody>
       </p:sp>
       <p:sp>
@@ -1730,6 +1797,7 @@
           <a:p>
             <a:fld id="{1D8BD707-D9CF-40AE-B4C6-C98DA3205C09}" type="datetimeFigureOut">
               <a:rPr lang="en-US"/>
+              <a:t>8/13/2023</a:t>
             </a:fld>
             <a:endParaRPr lang="en-US"/>
           </a:p>
@@ -1762,6 +1830,7 @@
           <a:p>
             <a:fld id="{B6F15528-21DE-4FAA-801E-634DDDAF4B2B}" type="slidenum">
               <a:rPr/>
+              <a:t>‹#›</a:t>
             </a:fld>
             <a:endParaRPr/>
           </a:p>
@@ -1817,7 +1886,9 @@
               </a:defRPr>
             </a:lvl1pPr>
           </a:lstStyle>
-          <a:p/>
+          <a:p>
+            <a:endParaRPr/>
+          </a:p>
         </p:txBody>
       </p:sp>
       <p:sp>
@@ -1848,7 +1919,9 @@
               <a:defRPr/>
             </a:lvl1pPr>
           </a:lstStyle>
-          <a:p/>
+          <a:p>
+            <a:endParaRPr/>
+          </a:p>
         </p:txBody>
       </p:sp>
       <p:sp>
@@ -1879,7 +1952,9 @@
               <a:defRPr/>
             </a:lvl1pPr>
           </a:lstStyle>
-          <a:p/>
+          <a:p>
+            <a:endParaRPr/>
+          </a:p>
         </p:txBody>
       </p:sp>
       <p:sp>
@@ -1906,7 +1981,9 @@
               </a:defRPr>
             </a:lvl1pPr>
           </a:lstStyle>
-          <a:p/>
+          <a:p>
+            <a:endParaRPr/>
+          </a:p>
         </p:txBody>
       </p:sp>
       <p:sp>
@@ -1936,6 +2013,7 @@
           <a:p>
             <a:fld id="{1D8BD707-D9CF-40AE-B4C6-C98DA3205C09}" type="datetimeFigureOut">
               <a:rPr lang="en-US"/>
+              <a:t>8/13/2023</a:t>
             </a:fld>
             <a:endParaRPr lang="en-US"/>
           </a:p>
@@ -1968,6 +2046,7 @@
           <a:p>
             <a:fld id="{B6F15528-21DE-4FAA-801E-634DDDAF4B2B}" type="slidenum">
               <a:rPr/>
+              <a:t>‹#›</a:t>
             </a:fld>
             <a:endParaRPr/>
           </a:p>
@@ -2023,7 +2102,9 @@
               </a:defRPr>
             </a:lvl1pPr>
           </a:lstStyle>
-          <a:p/>
+          <a:p>
+            <a:endParaRPr/>
+          </a:p>
         </p:txBody>
       </p:sp>
       <p:sp>
@@ -2050,7 +2131,9 @@
               </a:defRPr>
             </a:lvl1pPr>
           </a:lstStyle>
-          <a:p/>
+          <a:p>
+            <a:endParaRPr/>
+          </a:p>
         </p:txBody>
       </p:sp>
       <p:sp>
@@ -2080,6 +2163,7 @@
           <a:p>
             <a:fld id="{1D8BD707-D9CF-40AE-B4C6-C98DA3205C09}" type="datetimeFigureOut">
               <a:rPr lang="en-US"/>
+              <a:t>8/13/2023</a:t>
             </a:fld>
             <a:endParaRPr lang="en-US"/>
           </a:p>
@@ -2112,6 +2196,7 @@
           <a:p>
             <a:fld id="{B6F15528-21DE-4FAA-801E-634DDDAF4B2B}" type="slidenum">
               <a:rPr/>
+              <a:t>‹#›</a:t>
             </a:fld>
             <a:endParaRPr/>
           </a:p>
@@ -2185,7 +2270,9 @@
               </a:defRPr>
             </a:lvl1pPr>
           </a:lstStyle>
-          <a:p/>
+          <a:p>
+            <a:endParaRPr/>
+          </a:p>
         </p:txBody>
       </p:sp>
       <p:sp>
@@ -2220,7 +2307,9 @@
               </a:defRPr>
             </a:lvl1pPr>
           </a:lstStyle>
-          <a:p/>
+          <a:p>
+            <a:endParaRPr/>
+          </a:p>
         </p:txBody>
       </p:sp>
       <p:sp>
@@ -2257,7 +2346,9 @@
               </a:defRPr>
             </a:lvl1pPr>
           </a:lstStyle>
-          <a:p/>
+          <a:p>
+            <a:endParaRPr/>
+          </a:p>
         </p:txBody>
       </p:sp>
       <p:sp>
@@ -2297,6 +2388,7 @@
           <a:p>
             <a:fld id="{1D8BD707-D9CF-40AE-B4C6-C98DA3205C09}" type="datetimeFigureOut">
               <a:rPr lang="en-US"/>
+              <a:t>8/13/2023</a:t>
             </a:fld>
             <a:endParaRPr lang="en-US"/>
           </a:p>
@@ -2339,6 +2431,7 @@
           <a:p>
             <a:fld id="{B6F15528-21DE-4FAA-801E-634DDDAF4B2B}" type="slidenum">
               <a:rPr/>
+              <a:t>‹#›</a:t>
             </a:fld>
             <a:endParaRPr/>
           </a:p>
@@ -2558,7 +2651,9 @@
               </a:defRPr>
             </a:lvl1pPr>
           </a:lstStyle>
-          <a:p/>
+          <a:p>
+            <a:endParaRPr/>
+          </a:p>
         </p:txBody>
       </p:sp>
       <p:sp>
@@ -2595,7 +2690,9 @@
               </a:defRPr>
             </a:lvl1pPr>
           </a:lstStyle>
-          <a:p/>
+          <a:p>
+            <a:endParaRPr/>
+          </a:p>
         </p:txBody>
       </p:sp>
       <p:sp>
@@ -2632,7 +2729,9 @@
               </a:defRPr>
             </a:lvl1pPr>
           </a:lstStyle>
-          <a:p/>
+          <a:p>
+            <a:endParaRPr/>
+          </a:p>
         </p:txBody>
       </p:sp>
       <p:sp>
@@ -2672,6 +2771,7 @@
           <a:p>
             <a:fld id="{1D8BD707-D9CF-40AE-B4C6-C98DA3205C09}" type="datetimeFigureOut">
               <a:rPr lang="en-US"/>
+              <a:t>8/13/2023</a:t>
             </a:fld>
             <a:endParaRPr lang="en-US"/>
           </a:p>
@@ -2714,6 +2814,7 @@
           <a:p>
             <a:fld id="{B6F15528-21DE-4FAA-801E-634DDDAF4B2B}" type="slidenum">
               <a:rPr/>
+              <a:t>‹#›</a:t>
             </a:fld>
             <a:endParaRPr/>
           </a:p>
@@ -2928,7 +3029,9 @@
         <p:txBody>
           <a:bodyPr wrap="square" lIns="0" tIns="0" rIns="0" bIns="0" rtlCol="0"/>
           <a:lstStyle/>
-          <a:p/>
+          <a:p>
+            <a:endParaRPr/>
+          </a:p>
         </p:txBody>
       </p:sp>
       <p:sp>
@@ -3033,9 +3136,11 @@
         <p:spPr/>
         <p:txBody>
           <a:bodyPr/>
+          <a:lstStyle/>
           <a:p>
             <a:fld id="{B6F15528-21DE-4FAA-801E-634DDDAF4B2B}" type="slidenum">
               <a:rPr/>
+              <a:t>1</a:t>
             </a:fld>
             <a:endParaRPr/>
           </a:p>
@@ -3073,7 +3178,7 @@
           <p:nvPr/>
         </p:nvPicPr>
         <p:blipFill>
-          <a:blip r:embed="rId1" cstate="print"/>
+          <a:blip r:embed="rId2" cstate="print"/>
           <a:stretch>
             <a:fillRect/>
           </a:stretch>
@@ -3101,9 +3206,11 @@
         <p:spPr/>
         <p:txBody>
           <a:bodyPr/>
+          <a:lstStyle/>
           <a:p>
             <a:fld id="{B6F15528-21DE-4FAA-801E-634DDDAF4B2B}" type="slidenum">
               <a:rPr/>
+              <a:t>10</a:t>
             </a:fld>
             <a:endParaRPr/>
           </a:p>
@@ -3141,7 +3248,7 @@
           <p:nvPr/>
         </p:nvPicPr>
         <p:blipFill>
-          <a:blip r:embed="rId1" cstate="print"/>
+          <a:blip r:embed="rId2" cstate="print"/>
           <a:stretch>
             <a:fillRect/>
           </a:stretch>
@@ -3169,9 +3276,11 @@
         <p:spPr/>
         <p:txBody>
           <a:bodyPr/>
+          <a:lstStyle/>
           <a:p>
             <a:fld id="{B6F15528-21DE-4FAA-801E-634DDDAF4B2B}" type="slidenum">
               <a:rPr/>
+              <a:t>11</a:t>
             </a:fld>
             <a:endParaRPr/>
           </a:p>
@@ -3209,7 +3318,7 @@
           <p:nvPr/>
         </p:nvPicPr>
         <p:blipFill>
-          <a:blip r:embed="rId1" cstate="print"/>
+          <a:blip r:embed="rId2" cstate="print"/>
           <a:stretch>
             <a:fillRect/>
           </a:stretch>
@@ -3237,9 +3346,11 @@
         <p:spPr/>
         <p:txBody>
           <a:bodyPr/>
+          <a:lstStyle/>
           <a:p>
             <a:fld id="{B6F15528-21DE-4FAA-801E-634DDDAF4B2B}" type="slidenum">
               <a:rPr/>
+              <a:t>12</a:t>
             </a:fld>
             <a:endParaRPr/>
           </a:p>
@@ -3323,7 +3434,6 @@
               <a:rPr spc="30" dirty="0"/>
               <a:t>Methods</a:t>
             </a:r>
-            <a:endParaRPr spc="30" dirty="0"/>
           </a:p>
         </p:txBody>
       </p:sp>
@@ -3677,7 +3787,9 @@
         <p:txBody>
           <a:bodyPr wrap="square" lIns="0" tIns="0" rIns="0" bIns="0" rtlCol="0"/>
           <a:lstStyle/>
-          <a:p/>
+          <a:p>
+            <a:endParaRPr/>
+          </a:p>
         </p:txBody>
       </p:sp>
       <p:sp>
@@ -3693,9 +3805,11 @@
         <p:spPr/>
         <p:txBody>
           <a:bodyPr/>
+          <a:lstStyle/>
           <a:p>
             <a:fld id="{B6F15528-21DE-4FAA-801E-634DDDAF4B2B}" type="slidenum">
               <a:rPr/>
+              <a:t>13</a:t>
             </a:fld>
             <a:endParaRPr/>
           </a:p>
@@ -3733,7 +3847,7 @@
           <p:nvPr/>
         </p:nvPicPr>
         <p:blipFill>
-          <a:blip r:embed="rId1" cstate="print"/>
+          <a:blip r:embed="rId2" cstate="print"/>
           <a:stretch>
             <a:fillRect/>
           </a:stretch>
@@ -3778,14 +3892,14 @@
               </a:spcBef>
             </a:pPr>
             <a:r>
-              <a:rPr sz="3600" dirty="0">
+              <a:rPr lang="en-US" sz="3600" dirty="0">
                 <a:solidFill>
                   <a:srgbClr val="FFFFFF"/>
                 </a:solidFill>
                 <a:latin typeface="Verdana" panose="020B0604030504040204"/>
                 <a:cs typeface="Verdana" panose="020B0604030504040204"/>
               </a:rPr>
-              <a:t>Assisted Practice</a:t>
+              <a:t>Demo</a:t>
             </a:r>
             <a:endParaRPr sz="3600" dirty="0">
               <a:solidFill>
@@ -3810,9 +3924,11 @@
         <p:spPr/>
         <p:txBody>
           <a:bodyPr/>
+          <a:lstStyle/>
           <a:p>
             <a:fld id="{B6F15528-21DE-4FAA-801E-634DDDAF4B2B}" type="slidenum">
               <a:rPr/>
+              <a:t>14</a:t>
             </a:fld>
             <a:endParaRPr/>
           </a:p>
@@ -3837,6 +3953,7 @@
           <a:bodyPr vert="horz" wrap="square" lIns="0" tIns="12065" rIns="0" bIns="0" rtlCol="0">
             <a:spAutoFit/>
           </a:bodyPr>
+          <a:lstStyle/>
           <a:p>
             <a:pPr marL="12700">
               <a:lnSpc>
@@ -3948,7 +4065,7 @@
           <p:nvPr/>
         </p:nvPicPr>
         <p:blipFill>
-          <a:blip r:embed="rId1" cstate="print"/>
+          <a:blip r:embed="rId2" cstate="print"/>
           <a:stretch>
             <a:fillRect/>
           </a:stretch>
@@ -3993,22 +4110,15 @@
               </a:spcBef>
             </a:pPr>
             <a:r>
-              <a:rPr sz="3600" dirty="0">
+              <a:rPr lang="en-US" sz="3600" dirty="0">
                 <a:solidFill>
                   <a:srgbClr val="FFFFFF"/>
                 </a:solidFill>
                 <a:latin typeface="Verdana" panose="020B0604030504040204"/>
                 <a:cs typeface="Verdana" panose="020B0604030504040204"/>
               </a:rPr>
-              <a:t>Assisted Practice</a:t>
-            </a:r>
-            <a:endParaRPr sz="3600" dirty="0">
-              <a:solidFill>
-                <a:srgbClr val="FFFFFF"/>
-              </a:solidFill>
-              <a:latin typeface="Verdana" panose="020B0604030504040204"/>
-              <a:cs typeface="Verdana" panose="020B0604030504040204"/>
-            </a:endParaRPr>
+              <a:t>Demo</a:t>
+            </a:r>
           </a:p>
         </p:txBody>
       </p:sp>
@@ -4025,9 +4135,11 @@
         <p:spPr/>
         <p:txBody>
           <a:bodyPr/>
+          <a:lstStyle/>
           <a:p>
             <a:fld id="{B6F15528-21DE-4FAA-801E-634DDDAF4B2B}" type="slidenum">
               <a:rPr/>
+              <a:t>15</a:t>
             </a:fld>
             <a:endParaRPr/>
           </a:p>
@@ -4056,6 +4168,7 @@
           <a:bodyPr vert="horz" wrap="square" lIns="0" tIns="12065" rIns="0" bIns="0" rtlCol="0">
             <a:spAutoFit/>
           </a:bodyPr>
+          <a:lstStyle/>
           <a:p>
             <a:pPr marL="12700">
               <a:lnSpc>
@@ -4248,7 +4361,9 @@
         <p:txBody>
           <a:bodyPr wrap="square" lIns="0" tIns="0" rIns="0" bIns="0" rtlCol="0"/>
           <a:lstStyle/>
-          <a:p/>
+          <a:p>
+            <a:endParaRPr/>
+          </a:p>
         </p:txBody>
       </p:sp>
       <p:sp>
@@ -4264,9 +4379,11 @@
         <p:spPr/>
         <p:txBody>
           <a:bodyPr/>
+          <a:lstStyle/>
           <a:p>
             <a:fld id="{B6F15528-21DE-4FAA-801E-634DDDAF4B2B}" type="slidenum">
               <a:rPr/>
+              <a:t>16</a:t>
             </a:fld>
             <a:endParaRPr/>
           </a:p>
@@ -5187,7 +5304,6 @@
               <a:rPr dirty="0"/>
               <a:t>displayed</a:t>
             </a:r>
-            <a:endParaRPr dirty="0"/>
           </a:p>
           <a:p>
             <a:pPr marL="355600" indent="-342900">
@@ -5240,7 +5356,6 @@
               <a:rPr spc="-25" dirty="0"/>
               <a:t>marked</a:t>
             </a:r>
-            <a:endParaRPr spc="-25" dirty="0"/>
           </a:p>
           <a:p>
             <a:pPr marL="355600" indent="-342900">
@@ -5285,7 +5400,6 @@
               <a:rPr spc="20" dirty="0"/>
               <a:t>supported</a:t>
             </a:r>
-            <a:endParaRPr spc="20" dirty="0"/>
           </a:p>
           <a:p>
             <a:pPr marL="355600" marR="620395" indent="-342900">
@@ -5351,7 +5465,6 @@
               <a:rPr spc="-10" dirty="0"/>
               <a:t>History</a:t>
             </a:r>
-            <a:endParaRPr spc="-10" dirty="0"/>
           </a:p>
           <a:p>
             <a:pPr marL="355600" indent="-342900">
@@ -5388,7 +5501,6 @@
               <a:rPr spc="-15" dirty="0"/>
               <a:t>restrictions</a:t>
             </a:r>
-            <a:endParaRPr spc="-15" dirty="0"/>
           </a:p>
           <a:p>
             <a:pPr marL="355600" marR="178435" indent="-342900">
@@ -5454,7 +5566,6 @@
               <a:rPr dirty="0"/>
               <a:t>submitted</a:t>
             </a:r>
-            <a:endParaRPr dirty="0"/>
           </a:p>
           <a:p>
             <a:pPr marL="355600" indent="-342900">
@@ -5475,7 +5586,6 @@
               <a:rPr spc="-10" dirty="0"/>
               <a:t>Secured</a:t>
             </a:r>
-            <a:endParaRPr spc="-10" dirty="0"/>
           </a:p>
         </p:txBody>
       </p:sp>
@@ -5492,9 +5602,11 @@
         <p:spPr/>
         <p:txBody>
           <a:bodyPr/>
+          <a:lstStyle/>
           <a:p>
             <a:fld id="{B6F15528-21DE-4FAA-801E-634DDDAF4B2B}" type="slidenum">
               <a:rPr/>
+              <a:t>17</a:t>
             </a:fld>
             <a:endParaRPr/>
           </a:p>
@@ -5761,7 +5873,7 @@
           <p:nvPr/>
         </p:nvPicPr>
         <p:blipFill>
-          <a:blip r:embed="rId1" cstate="print"/>
+          <a:blip r:embed="rId2" cstate="print"/>
           <a:stretch>
             <a:fillRect/>
           </a:stretch>
@@ -5789,9 +5901,11 @@
         <p:spPr/>
         <p:txBody>
           <a:bodyPr/>
+          <a:lstStyle/>
           <a:p>
             <a:fld id="{B6F15528-21DE-4FAA-801E-634DDDAF4B2B}" type="slidenum">
               <a:rPr/>
+              <a:t>18</a:t>
             </a:fld>
             <a:endParaRPr/>
           </a:p>
@@ -5969,7 +6083,6 @@
               <a:rPr spc="135" dirty="0"/>
               <a:t>w</a:t>
             </a:r>
-            <a:endParaRPr spc="135" dirty="0"/>
           </a:p>
         </p:txBody>
       </p:sp>
@@ -5980,7 +6093,7 @@
           <p:nvPr/>
         </p:nvPicPr>
         <p:blipFill>
-          <a:blip r:embed="rId1" cstate="print"/>
+          <a:blip r:embed="rId2" cstate="print"/>
           <a:srcRect t="6457"/>
           <a:stretch>
             <a:fillRect/>
@@ -6033,7 +6146,9 @@
         <p:txBody>
           <a:bodyPr wrap="square" lIns="0" tIns="0" rIns="0" bIns="0" rtlCol="0"/>
           <a:lstStyle/>
-          <a:p/>
+          <a:p>
+            <a:endParaRPr/>
+          </a:p>
         </p:txBody>
       </p:sp>
       <p:sp>
@@ -6049,9 +6164,11 @@
         <p:spPr/>
         <p:txBody>
           <a:bodyPr/>
+          <a:lstStyle/>
           <a:p>
             <a:fld id="{B6F15528-21DE-4FAA-801E-634DDDAF4B2B}" type="slidenum">
               <a:rPr/>
+              <a:t>2</a:t>
             </a:fld>
             <a:endParaRPr/>
           </a:p>
@@ -6089,7 +6206,7 @@
           <p:nvPr/>
         </p:nvPicPr>
         <p:blipFill>
-          <a:blip r:embed="rId1" cstate="print"/>
+          <a:blip r:embed="rId2" cstate="print"/>
           <a:stretch>
             <a:fillRect/>
           </a:stretch>
@@ -6144,10 +6261,6 @@
               </a:rPr>
               <a:t>Overview</a:t>
             </a:r>
-            <a:endParaRPr spc="-5" dirty="0">
-              <a:latin typeface="Arial MT"/>
-              <a:cs typeface="Arial MT"/>
-            </a:endParaRPr>
           </a:p>
         </p:txBody>
       </p:sp>
@@ -6188,7 +6301,9 @@
         <p:txBody>
           <a:bodyPr wrap="square" lIns="0" tIns="0" rIns="0" bIns="0" rtlCol="0"/>
           <a:lstStyle/>
-          <a:p/>
+          <a:p>
+            <a:endParaRPr/>
+          </a:p>
         </p:txBody>
       </p:sp>
       <p:sp>
@@ -6368,9 +6483,11 @@
         <p:spPr/>
         <p:txBody>
           <a:bodyPr/>
+          <a:lstStyle/>
           <a:p>
             <a:fld id="{B6F15528-21DE-4FAA-801E-634DDDAF4B2B}" type="slidenum">
               <a:rPr/>
+              <a:t>3</a:t>
             </a:fld>
             <a:endParaRPr/>
           </a:p>
@@ -6462,7 +6579,6 @@
               <a:rPr spc="135" dirty="0"/>
               <a:t>w</a:t>
             </a:r>
-            <a:endParaRPr spc="135" dirty="0"/>
           </a:p>
         </p:txBody>
       </p:sp>
@@ -6503,7 +6619,9 @@
         <p:txBody>
           <a:bodyPr wrap="square" lIns="0" tIns="0" rIns="0" bIns="0" rtlCol="0"/>
           <a:lstStyle/>
-          <a:p/>
+          <a:p>
+            <a:endParaRPr/>
+          </a:p>
         </p:txBody>
       </p:sp>
       <p:sp>
@@ -6666,9 +6784,11 @@
         <p:spPr/>
         <p:txBody>
           <a:bodyPr/>
+          <a:lstStyle/>
           <a:p>
             <a:fld id="{B6F15528-21DE-4FAA-801E-634DDDAF4B2B}" type="slidenum">
               <a:rPr/>
+              <a:t>4</a:t>
             </a:fld>
             <a:endParaRPr/>
           </a:p>
@@ -6688,12 +6808,12 @@
           <a:graphicData uri="http://schemas.openxmlformats.org/presentationml/2006/ole">
             <mc:AlternateContent xmlns:mc="http://schemas.openxmlformats.org/markup-compatibility/2006">
               <mc:Choice xmlns:v="urn:schemas-microsoft-com:vml" Requires="v">
-                <p:oleObj spid="_x0000_s11" name="" r:id="rId1" imgW="4905375" imgH="3086100" progId="Paint.Picture">
+                <p:oleObj r:id="rId2" imgW="4905375" imgH="3086100" progId="Paint.Picture">
                   <p:embed/>
                 </p:oleObj>
               </mc:Choice>
               <mc:Fallback>
-                <p:oleObj name="" r:id="rId1" imgW="4905375" imgH="3086100" progId="Paint.Picture">
+                <p:oleObj r:id="rId2" imgW="4905375" imgH="3086100" progId="Paint.Picture">
                   <p:embed/>
                   <p:pic>
                     <p:nvPicPr>
@@ -6702,7 +6822,7 @@
                       <p:nvPr/>
                     </p:nvPicPr>
                     <p:blipFill>
-                      <a:blip r:embed="rId2"/>
+                      <a:blip r:embed="rId3"/>
                       <a:stretch>
                         <a:fillRect/>
                       </a:stretch>
@@ -7076,7 +7196,6 @@
               <a:rPr spc="135" dirty="0"/>
               <a:t>w</a:t>
             </a:r>
-            <a:endParaRPr spc="135" dirty="0"/>
           </a:p>
         </p:txBody>
       </p:sp>
@@ -7117,7 +7236,9 @@
         <p:txBody>
           <a:bodyPr wrap="square" lIns="0" tIns="0" rIns="0" bIns="0" rtlCol="0"/>
           <a:lstStyle/>
-          <a:p/>
+          <a:p>
+            <a:endParaRPr/>
+          </a:p>
         </p:txBody>
       </p:sp>
       <p:pic>
@@ -7127,7 +7248,7 @@
           <p:nvPr/>
         </p:nvPicPr>
         <p:blipFill>
-          <a:blip r:embed="rId1" cstate="print"/>
+          <a:blip r:embed="rId2" cstate="print"/>
           <a:stretch>
             <a:fillRect/>
           </a:stretch>
@@ -7155,9 +7276,11 @@
         <p:spPr/>
         <p:txBody>
           <a:bodyPr/>
+          <a:lstStyle/>
           <a:p>
             <a:fld id="{B6F15528-21DE-4FAA-801E-634DDDAF4B2B}" type="slidenum">
               <a:rPr/>
+              <a:t>5</a:t>
             </a:fld>
             <a:endParaRPr/>
           </a:p>
@@ -7675,7 +7798,6 @@
               <a:rPr spc="135" dirty="0"/>
               <a:t>w</a:t>
             </a:r>
-            <a:endParaRPr spc="135" dirty="0"/>
           </a:p>
         </p:txBody>
       </p:sp>
@@ -7716,7 +7838,9 @@
         <p:txBody>
           <a:bodyPr wrap="square" lIns="0" tIns="0" rIns="0" bIns="0" rtlCol="0"/>
           <a:lstStyle/>
-          <a:p/>
+          <a:p>
+            <a:endParaRPr/>
+          </a:p>
         </p:txBody>
       </p:sp>
       <p:sp>
@@ -7732,9 +7856,11 @@
         <p:spPr/>
         <p:txBody>
           <a:bodyPr/>
+          <a:lstStyle/>
           <a:p>
             <a:fld id="{B6F15528-21DE-4FAA-801E-634DDDAF4B2B}" type="slidenum">
               <a:rPr/>
+              <a:t>6</a:t>
             </a:fld>
             <a:endParaRPr/>
           </a:p>
@@ -7754,12 +7880,12 @@
           <a:graphicData uri="http://schemas.openxmlformats.org/presentationml/2006/ole">
             <mc:AlternateContent xmlns:mc="http://schemas.openxmlformats.org/markup-compatibility/2006">
               <mc:Choice xmlns:v="urn:schemas-microsoft-com:vml" Requires="v">
-                <p:oleObj spid="_x0000_s10" name="" r:id="rId1" imgW="5467350" imgH="3333750" progId="Paint.Picture">
+                <p:oleObj r:id="rId2" imgW="5467350" imgH="3333750" progId="Paint.Picture">
                   <p:embed/>
                 </p:oleObj>
               </mc:Choice>
               <mc:Fallback>
-                <p:oleObj name="" r:id="rId1" imgW="5467350" imgH="3333750" progId="Paint.Picture">
+                <p:oleObj r:id="rId2" imgW="5467350" imgH="3333750" progId="Paint.Picture">
                   <p:embed/>
                   <p:pic>
                     <p:nvPicPr>
@@ -7768,7 +7894,7 @@
                       <p:nvPr/>
                     </p:nvPicPr>
                     <p:blipFill>
-                      <a:blip r:embed="rId2"/>
+                      <a:blip r:embed="rId3"/>
                       <a:stretch>
                         <a:fillRect/>
                       </a:stretch>
@@ -7859,7 +7985,6 @@
               <a:rPr spc="-5" dirty="0"/>
               <a:t>HttpServlet?</a:t>
             </a:r>
-            <a:endParaRPr spc="-5" dirty="0"/>
           </a:p>
         </p:txBody>
       </p:sp>
@@ -7900,7 +8025,9 @@
         <p:txBody>
           <a:bodyPr wrap="square" lIns="0" tIns="0" rIns="0" bIns="0" rtlCol="0"/>
           <a:lstStyle/>
-          <a:p/>
+          <a:p>
+            <a:endParaRPr/>
+          </a:p>
         </p:txBody>
       </p:sp>
       <p:sp>
@@ -7936,7 +8063,6 @@
               <a:rPr spc="-20" dirty="0"/>
               <a:t>GenericServlet</a:t>
             </a:r>
-            <a:endParaRPr spc="-20" dirty="0"/>
           </a:p>
           <a:p>
             <a:pPr>
@@ -7969,15 +8095,7 @@
                   <a:srgbClr val="595958"/>
                 </a:solidFill>
               </a:rPr>
-              <a:t>e</a:t>
-            </a:r>
-            <a:r>
-              <a:rPr sz="2200" spc="-30" dirty="0">
-                <a:solidFill>
-                  <a:srgbClr val="595958"/>
-                </a:solidFill>
-              </a:rPr>
-              <a:t>n</a:t>
+              <a:t>en</a:t>
             </a:r>
             <a:r>
               <a:rPr sz="2200" spc="-35" dirty="0">
@@ -7985,41 +8103,33 @@
                   <a:srgbClr val="595958"/>
                 </a:solidFill>
               </a:rPr>
+              <a:t>eri</a:t>
+            </a:r>
+            <a:r>
+              <a:rPr sz="2200" spc="95" dirty="0">
+                <a:solidFill>
+                  <a:srgbClr val="595958"/>
+                </a:solidFill>
+              </a:rPr>
+              <a:t>c</a:t>
+            </a:r>
+            <a:r>
+              <a:rPr sz="2200" spc="-105" dirty="0">
+                <a:solidFill>
+                  <a:srgbClr val="595958"/>
+                </a:solidFill>
+              </a:rPr>
+              <a:t>S</a:t>
+            </a:r>
+            <a:r>
+              <a:rPr sz="2200" spc="-35" dirty="0">
+                <a:solidFill>
+                  <a:srgbClr val="595958"/>
+                </a:solidFill>
+              </a:rPr>
               <a:t>er</a:t>
             </a:r>
             <a:r>
-              <a:rPr sz="2200" spc="-35" dirty="0">
-                <a:solidFill>
-                  <a:srgbClr val="595958"/>
-                </a:solidFill>
-              </a:rPr>
-              <a:t>i</a:t>
-            </a:r>
-            <a:r>
-              <a:rPr sz="2200" spc="95" dirty="0">
-                <a:solidFill>
-                  <a:srgbClr val="595958"/>
-                </a:solidFill>
-              </a:rPr>
-              <a:t>c</a:t>
-            </a:r>
-            <a:r>
-              <a:rPr sz="2200" spc="-105" dirty="0">
-                <a:solidFill>
-                  <a:srgbClr val="595958"/>
-                </a:solidFill>
-              </a:rPr>
-              <a:t>S</a:t>
-            </a:r>
-            <a:r>
-              <a:rPr sz="2200" spc="-35" dirty="0">
-                <a:solidFill>
-                  <a:srgbClr val="595958"/>
-                </a:solidFill>
-              </a:rPr>
-              <a:t>er</a:t>
-            </a:r>
-            <a:r>
               <a:rPr sz="2200" spc="-25" dirty="0">
                 <a:solidFill>
                   <a:srgbClr val="595958"/>
@@ -8033,15 +8143,7 @@
                   <a:srgbClr val="595958"/>
                 </a:solidFill>
               </a:rPr>
-              <a:t>e</a:t>
-            </a:r>
-            <a:r>
-              <a:rPr sz="2200" dirty="0">
-                <a:solidFill>
-                  <a:srgbClr val="595958"/>
-                </a:solidFill>
-              </a:rPr>
-              <a:t>t</a:t>
+              <a:t>et</a:t>
             </a:r>
             <a:r>
               <a:rPr sz="2200" spc="-75" dirty="0">
@@ -8931,9 +9033,11 @@
         <p:spPr/>
         <p:txBody>
           <a:bodyPr/>
+          <a:lstStyle/>
           <a:p>
             <a:fld id="{B6F15528-21DE-4FAA-801E-634DDDAF4B2B}" type="slidenum">
               <a:rPr/>
+              <a:t>7</a:t>
             </a:fld>
             <a:endParaRPr/>
           </a:p>
@@ -8971,7 +9075,7 @@
           <p:nvPr/>
         </p:nvPicPr>
         <p:blipFill>
-          <a:blip r:embed="rId1" cstate="print"/>
+          <a:blip r:embed="rId2" cstate="print"/>
           <a:stretch>
             <a:fillRect/>
           </a:stretch>
@@ -8999,9 +9103,11 @@
         <p:spPr/>
         <p:txBody>
           <a:bodyPr/>
+          <a:lstStyle/>
           <a:p>
             <a:fld id="{B6F15528-21DE-4FAA-801E-634DDDAF4B2B}" type="slidenum">
               <a:rPr/>
+              <a:t>8</a:t>
             </a:fld>
             <a:endParaRPr/>
           </a:p>
@@ -9039,7 +9145,7 @@
           <p:nvPr/>
         </p:nvPicPr>
         <p:blipFill>
-          <a:blip r:embed="rId1" cstate="print"/>
+          <a:blip r:embed="rId2" cstate="print"/>
           <a:stretch>
             <a:fillRect/>
           </a:stretch>
@@ -9067,9 +9173,11 @@
         <p:spPr/>
         <p:txBody>
           <a:bodyPr/>
+          <a:lstStyle/>
           <a:p>
             <a:fld id="{B6F15528-21DE-4FAA-801E-634DDDAF4B2B}" type="slidenum">
               <a:rPr/>
+              <a:t>9</a:t>
             </a:fld>
             <a:endParaRPr/>
           </a:p>
@@ -9361,6 +9469,8 @@
       </a:bgFillStyleLst>
     </a:fmtScheme>
   </a:themeElements>
+  <a:objectDefaults/>
+  <a:extraClrSchemeLst/>
   <a:extLst>
     <a:ext uri="{05A4C25C-085E-4340-85A3-A5531E510DB2}">
       <thm15:themeFamily xmlns:thm15="http://schemas.microsoft.com/office/thememl/2012/main" name="Office Theme" id="{62F939B6-93AF-4DB8-9C6B-D6C7DFDC589F}" vid="{4A3C46E8-61CC-4603-A589-7422A47A8E4A}"/>
@@ -9647,6 +9757,8 @@
       </a:bgFillStyleLst>
     </a:fmtScheme>
   </a:themeElements>
+  <a:objectDefaults/>
+  <a:extraClrSchemeLst/>
   <a:extLst>
     <a:ext uri="{05A4C25C-085E-4340-85A3-A5531E510DB2}">
       <thm15:themeFamily xmlns:thm15="http://schemas.microsoft.com/office/thememl/2012/main" name="Office Theme" id="{62F939B6-93AF-4DB8-9C6B-D6C7DFDC589F}" vid="{4A3C46E8-61CC-4603-A589-7422A47A8E4A}"/>
@@ -9906,6 +10018,8 @@
       </a:bgFillStyleLst>
     </a:fmtScheme>
   </a:themeElements>
+  <a:objectDefaults/>
+  <a:extraClrSchemeLst/>
   <a:extLst>
     <a:ext uri="{05A4C25C-085E-4340-85A3-A5531E510DB2}">
       <thm15:themeFamily xmlns:thm15="http://schemas.microsoft.com/office/thememl/2012/main" name="Office Theme" id="{62F939B6-93AF-4DB8-9C6B-D6C7DFDC589F}" vid="{4A3C46E8-61CC-4603-A589-7422A47A8E4A}"/>
